--- a/소프트웨어코딩 7강 과제.pptx
+++ b/소프트웨어코딩 7강 과제.pptx
@@ -264,7 +264,7 @@
           <a:p>
             <a:fld id="{CC205D41-91F8-4123-8E31-E059E3089AA1}" type="datetimeFigureOut">
               <a:rPr lang="ko-KR" altLang="en-US" smtClean="0"/>
-              <a:t>2023-04-12</a:t>
+              <a:t>2023-04-24</a:t>
             </a:fld>
             <a:endParaRPr lang="ko-KR" altLang="en-US"/>
           </a:p>
@@ -434,7 +434,7 @@
           <a:p>
             <a:fld id="{CC205D41-91F8-4123-8E31-E059E3089AA1}" type="datetimeFigureOut">
               <a:rPr lang="ko-KR" altLang="en-US" smtClean="0"/>
-              <a:t>2023-04-12</a:t>
+              <a:t>2023-04-24</a:t>
             </a:fld>
             <a:endParaRPr lang="ko-KR" altLang="en-US"/>
           </a:p>
@@ -614,7 +614,7 @@
           <a:p>
             <a:fld id="{CC205D41-91F8-4123-8E31-E059E3089AA1}" type="datetimeFigureOut">
               <a:rPr lang="ko-KR" altLang="en-US" smtClean="0"/>
-              <a:t>2023-04-12</a:t>
+              <a:t>2023-04-24</a:t>
             </a:fld>
             <a:endParaRPr lang="ko-KR" altLang="en-US"/>
           </a:p>
@@ -784,7 +784,7 @@
           <a:p>
             <a:fld id="{CC205D41-91F8-4123-8E31-E059E3089AA1}" type="datetimeFigureOut">
               <a:rPr lang="ko-KR" altLang="en-US" smtClean="0"/>
-              <a:t>2023-04-12</a:t>
+              <a:t>2023-04-24</a:t>
             </a:fld>
             <a:endParaRPr lang="ko-KR" altLang="en-US"/>
           </a:p>
@@ -1030,7 +1030,7 @@
           <a:p>
             <a:fld id="{CC205D41-91F8-4123-8E31-E059E3089AA1}" type="datetimeFigureOut">
               <a:rPr lang="ko-KR" altLang="en-US" smtClean="0"/>
-              <a:t>2023-04-12</a:t>
+              <a:t>2023-04-24</a:t>
             </a:fld>
             <a:endParaRPr lang="ko-KR" altLang="en-US"/>
           </a:p>
@@ -1262,7 +1262,7 @@
           <a:p>
             <a:fld id="{CC205D41-91F8-4123-8E31-E059E3089AA1}" type="datetimeFigureOut">
               <a:rPr lang="ko-KR" altLang="en-US" smtClean="0"/>
-              <a:t>2023-04-12</a:t>
+              <a:t>2023-04-24</a:t>
             </a:fld>
             <a:endParaRPr lang="ko-KR" altLang="en-US"/>
           </a:p>
@@ -1629,7 +1629,7 @@
           <a:p>
             <a:fld id="{CC205D41-91F8-4123-8E31-E059E3089AA1}" type="datetimeFigureOut">
               <a:rPr lang="ko-KR" altLang="en-US" smtClean="0"/>
-              <a:t>2023-04-12</a:t>
+              <a:t>2023-04-24</a:t>
             </a:fld>
             <a:endParaRPr lang="ko-KR" altLang="en-US"/>
           </a:p>
@@ -1747,7 +1747,7 @@
           <a:p>
             <a:fld id="{CC205D41-91F8-4123-8E31-E059E3089AA1}" type="datetimeFigureOut">
               <a:rPr lang="ko-KR" altLang="en-US" smtClean="0"/>
-              <a:t>2023-04-12</a:t>
+              <a:t>2023-04-24</a:t>
             </a:fld>
             <a:endParaRPr lang="ko-KR" altLang="en-US"/>
           </a:p>
@@ -1842,7 +1842,7 @@
           <a:p>
             <a:fld id="{CC205D41-91F8-4123-8E31-E059E3089AA1}" type="datetimeFigureOut">
               <a:rPr lang="ko-KR" altLang="en-US" smtClean="0"/>
-              <a:t>2023-04-12</a:t>
+              <a:t>2023-04-24</a:t>
             </a:fld>
             <a:endParaRPr lang="ko-KR" altLang="en-US"/>
           </a:p>
@@ -2119,7 +2119,7 @@
           <a:p>
             <a:fld id="{CC205D41-91F8-4123-8E31-E059E3089AA1}" type="datetimeFigureOut">
               <a:rPr lang="ko-KR" altLang="en-US" smtClean="0"/>
-              <a:t>2023-04-12</a:t>
+              <a:t>2023-04-24</a:t>
             </a:fld>
             <a:endParaRPr lang="ko-KR" altLang="en-US"/>
           </a:p>
@@ -2372,7 +2372,7 @@
           <a:p>
             <a:fld id="{CC205D41-91F8-4123-8E31-E059E3089AA1}" type="datetimeFigureOut">
               <a:rPr lang="ko-KR" altLang="en-US" smtClean="0"/>
-              <a:t>2023-04-12</a:t>
+              <a:t>2023-04-24</a:t>
             </a:fld>
             <a:endParaRPr lang="ko-KR" altLang="en-US"/>
           </a:p>
@@ -2585,7 +2585,7 @@
           <a:p>
             <a:fld id="{CC205D41-91F8-4123-8E31-E059E3089AA1}" type="datetimeFigureOut">
               <a:rPr lang="ko-KR" altLang="en-US" smtClean="0"/>
-              <a:t>2023-04-12</a:t>
+              <a:t>2023-04-24</a:t>
             </a:fld>
             <a:endParaRPr lang="ko-KR" altLang="en-US"/>
           </a:p>
@@ -4358,7 +4358,7 @@
       </p:sp>
       <p:pic>
         <p:nvPicPr>
-          <p:cNvPr id="4" name="그림 3"/>
+          <p:cNvPr id="5" name="그림 4"/>
           <p:cNvPicPr>
             <a:picLocks noChangeAspect="1"/>
           </p:cNvPicPr>
@@ -4372,8 +4372,8 @@
         </p:blipFill>
         <p:spPr>
           <a:xfrm>
-            <a:off x="0" y="135501"/>
-            <a:ext cx="12192000" cy="6570956"/>
+            <a:off x="0" y="363632"/>
+            <a:ext cx="12192000" cy="6130735"/>
           </a:xfrm>
           <a:prstGeom prst="rect">
             <a:avLst/>
